--- a/Documentacao/Documentacao-curso-Javascript.pptx
+++ b/Documentacao/Documentacao-curso-Javascript.pptx
@@ -330,7 +330,7 @@
             <a:fld id="{ECE2885B-9CEE-4B06-9B5A-AB75F988921C}" type="datetimeFigureOut">
               <a:rPr lang="es-ES" smtClean="0"/>
               <a:pPr/>
-              <a:t>27/08/2019</a:t>
+              <a:t>28/08/2019</a:t>
             </a:fld>
             <a:endParaRPr lang="es-ES"/>
           </a:p>
@@ -497,7 +497,7 @@
             <a:fld id="{ECE2885B-9CEE-4B06-9B5A-AB75F988921C}" type="datetimeFigureOut">
               <a:rPr lang="es-ES" smtClean="0"/>
               <a:pPr/>
-              <a:t>27/08/2019</a:t>
+              <a:t>28/08/2019</a:t>
             </a:fld>
             <a:endParaRPr lang="es-ES"/>
           </a:p>
@@ -674,7 +674,7 @@
             <a:fld id="{ECE2885B-9CEE-4B06-9B5A-AB75F988921C}" type="datetimeFigureOut">
               <a:rPr lang="es-ES" smtClean="0"/>
               <a:pPr/>
-              <a:t>27/08/2019</a:t>
+              <a:t>28/08/2019</a:t>
             </a:fld>
             <a:endParaRPr lang="es-ES"/>
           </a:p>
@@ -841,7 +841,7 @@
             <a:fld id="{ECE2885B-9CEE-4B06-9B5A-AB75F988921C}" type="datetimeFigureOut">
               <a:rPr lang="es-ES" smtClean="0"/>
               <a:pPr/>
-              <a:t>27/08/2019</a:t>
+              <a:t>28/08/2019</a:t>
             </a:fld>
             <a:endParaRPr lang="es-ES"/>
           </a:p>
@@ -1084,7 +1084,7 @@
             <a:fld id="{ECE2885B-9CEE-4B06-9B5A-AB75F988921C}" type="datetimeFigureOut">
               <a:rPr lang="es-ES" smtClean="0"/>
               <a:pPr/>
-              <a:t>27/08/2019</a:t>
+              <a:t>28/08/2019</a:t>
             </a:fld>
             <a:endParaRPr lang="es-ES"/>
           </a:p>
@@ -1369,7 +1369,7 @@
             <a:fld id="{ECE2885B-9CEE-4B06-9B5A-AB75F988921C}" type="datetimeFigureOut">
               <a:rPr lang="es-ES" smtClean="0"/>
               <a:pPr/>
-              <a:t>27/08/2019</a:t>
+              <a:t>28/08/2019</a:t>
             </a:fld>
             <a:endParaRPr lang="es-ES"/>
           </a:p>
@@ -1788,7 +1788,7 @@
             <a:fld id="{ECE2885B-9CEE-4B06-9B5A-AB75F988921C}" type="datetimeFigureOut">
               <a:rPr lang="es-ES" smtClean="0"/>
               <a:pPr/>
-              <a:t>27/08/2019</a:t>
+              <a:t>28/08/2019</a:t>
             </a:fld>
             <a:endParaRPr lang="es-ES"/>
           </a:p>
@@ -1903,7 +1903,7 @@
             <a:fld id="{ECE2885B-9CEE-4B06-9B5A-AB75F988921C}" type="datetimeFigureOut">
               <a:rPr lang="es-ES" smtClean="0"/>
               <a:pPr/>
-              <a:t>27/08/2019</a:t>
+              <a:t>28/08/2019</a:t>
             </a:fld>
             <a:endParaRPr lang="es-ES"/>
           </a:p>
@@ -1995,7 +1995,7 @@
             <a:fld id="{ECE2885B-9CEE-4B06-9B5A-AB75F988921C}" type="datetimeFigureOut">
               <a:rPr lang="es-ES" smtClean="0"/>
               <a:pPr/>
-              <a:t>27/08/2019</a:t>
+              <a:t>28/08/2019</a:t>
             </a:fld>
             <a:endParaRPr lang="es-ES"/>
           </a:p>
@@ -2269,7 +2269,7 @@
             <a:fld id="{ECE2885B-9CEE-4B06-9B5A-AB75F988921C}" type="datetimeFigureOut">
               <a:rPr lang="es-ES" smtClean="0"/>
               <a:pPr/>
-              <a:t>27/08/2019</a:t>
+              <a:t>28/08/2019</a:t>
             </a:fld>
             <a:endParaRPr lang="es-ES"/>
           </a:p>
@@ -2523,7 +2523,7 @@
             <a:fld id="{ECE2885B-9CEE-4B06-9B5A-AB75F988921C}" type="datetimeFigureOut">
               <a:rPr lang="es-ES" smtClean="0"/>
               <a:pPr/>
-              <a:t>27/08/2019</a:t>
+              <a:t>28/08/2019</a:t>
             </a:fld>
             <a:endParaRPr lang="es-ES"/>
           </a:p>
@@ -2755,7 +2755,7 @@
             <a:fld id="{ECE2885B-9CEE-4B06-9B5A-AB75F988921C}" type="datetimeFigureOut">
               <a:rPr lang="es-ES" smtClean="0"/>
               <a:pPr/>
-              <a:t>27/08/2019</a:t>
+              <a:t>28/08/2019</a:t>
             </a:fld>
             <a:endParaRPr lang="es-ES"/>
           </a:p>
@@ -3366,6 +3366,48 @@
             </a:r>
             <a:endParaRPr lang="es-ES" dirty="0"/>
           </a:p>
+          <a:p>
+            <a:r>
+              <a:rPr lang="es-ES" dirty="0"/>
+              <a:t>Como </a:t>
+            </a:r>
+            <a:r>
+              <a:rPr lang="es-ES" dirty="0" err="1"/>
+              <a:t>chegamos</a:t>
+            </a:r>
+            <a:r>
+              <a:rPr lang="es-ES" dirty="0"/>
+              <a:t> até aquí ?</a:t>
+            </a:r>
+          </a:p>
+          <a:p>
+            <a:r>
+              <a:rPr lang="pt-BR" dirty="0"/>
+              <a:t>Dando os primeiros passos – </a:t>
+            </a:r>
+            <a:r>
+              <a:rPr lang="pt-BR" dirty="0" err="1"/>
+              <a:t>JavaScript</a:t>
+            </a:r>
+            <a:endParaRPr lang="pt-BR" dirty="0"/>
+          </a:p>
+          <a:p>
+            <a:r>
+              <a:rPr lang="pt-BR" dirty="0"/>
+              <a:t>Criando o seu primeiro script - </a:t>
+            </a:r>
+            <a:r>
+              <a:rPr lang="pt-BR" dirty="0" err="1"/>
+              <a:t>JavaScript</a:t>
+            </a:r>
+            <a:endParaRPr lang="pt-BR" dirty="0"/>
+          </a:p>
+          <a:p>
+            <a:endParaRPr lang="pt-BR" dirty="0"/>
+          </a:p>
+          <a:p>
+            <a:endParaRPr lang="es-ES" dirty="0"/>
+          </a:p>
         </p:txBody>
       </p:sp>
     </p:spTree>

--- a/Documentacao/Documentacao-curso-Javascript.pptx
+++ b/Documentacao/Documentacao-curso-Javascript.pptx
@@ -7,6 +7,7 @@
   <p:sldIdLst>
     <p:sldId id="256" r:id="rId3"/>
     <p:sldId id="257" r:id="rId4"/>
+    <p:sldId id="258" r:id="rId5"/>
   </p:sldIdLst>
   <p:sldSz cx="9144000" cy="6858000" type="screen4x3"/>
   <p:notesSz cx="6858000" cy="9144000"/>
@@ -330,7 +331,7 @@
             <a:fld id="{ECE2885B-9CEE-4B06-9B5A-AB75F988921C}" type="datetimeFigureOut">
               <a:rPr lang="es-ES" smtClean="0"/>
               <a:pPr/>
-              <a:t>28/08/2019</a:t>
+              <a:t>29/08/2019</a:t>
             </a:fld>
             <a:endParaRPr lang="es-ES"/>
           </a:p>
@@ -497,7 +498,7 @@
             <a:fld id="{ECE2885B-9CEE-4B06-9B5A-AB75F988921C}" type="datetimeFigureOut">
               <a:rPr lang="es-ES" smtClean="0"/>
               <a:pPr/>
-              <a:t>28/08/2019</a:t>
+              <a:t>29/08/2019</a:t>
             </a:fld>
             <a:endParaRPr lang="es-ES"/>
           </a:p>
@@ -674,7 +675,7 @@
             <a:fld id="{ECE2885B-9CEE-4B06-9B5A-AB75F988921C}" type="datetimeFigureOut">
               <a:rPr lang="es-ES" smtClean="0"/>
               <a:pPr/>
-              <a:t>28/08/2019</a:t>
+              <a:t>29/08/2019</a:t>
             </a:fld>
             <a:endParaRPr lang="es-ES"/>
           </a:p>
@@ -841,7 +842,7 @@
             <a:fld id="{ECE2885B-9CEE-4B06-9B5A-AB75F988921C}" type="datetimeFigureOut">
               <a:rPr lang="es-ES" smtClean="0"/>
               <a:pPr/>
-              <a:t>28/08/2019</a:t>
+              <a:t>29/08/2019</a:t>
             </a:fld>
             <a:endParaRPr lang="es-ES"/>
           </a:p>
@@ -1084,7 +1085,7 @@
             <a:fld id="{ECE2885B-9CEE-4B06-9B5A-AB75F988921C}" type="datetimeFigureOut">
               <a:rPr lang="es-ES" smtClean="0"/>
               <a:pPr/>
-              <a:t>28/08/2019</a:t>
+              <a:t>29/08/2019</a:t>
             </a:fld>
             <a:endParaRPr lang="es-ES"/>
           </a:p>
@@ -1369,7 +1370,7 @@
             <a:fld id="{ECE2885B-9CEE-4B06-9B5A-AB75F988921C}" type="datetimeFigureOut">
               <a:rPr lang="es-ES" smtClean="0"/>
               <a:pPr/>
-              <a:t>28/08/2019</a:t>
+              <a:t>29/08/2019</a:t>
             </a:fld>
             <a:endParaRPr lang="es-ES"/>
           </a:p>
@@ -1788,7 +1789,7 @@
             <a:fld id="{ECE2885B-9CEE-4B06-9B5A-AB75F988921C}" type="datetimeFigureOut">
               <a:rPr lang="es-ES" smtClean="0"/>
               <a:pPr/>
-              <a:t>28/08/2019</a:t>
+              <a:t>29/08/2019</a:t>
             </a:fld>
             <a:endParaRPr lang="es-ES"/>
           </a:p>
@@ -1903,7 +1904,7 @@
             <a:fld id="{ECE2885B-9CEE-4B06-9B5A-AB75F988921C}" type="datetimeFigureOut">
               <a:rPr lang="es-ES" smtClean="0"/>
               <a:pPr/>
-              <a:t>28/08/2019</a:t>
+              <a:t>29/08/2019</a:t>
             </a:fld>
             <a:endParaRPr lang="es-ES"/>
           </a:p>
@@ -1995,7 +1996,7 @@
             <a:fld id="{ECE2885B-9CEE-4B06-9B5A-AB75F988921C}" type="datetimeFigureOut">
               <a:rPr lang="es-ES" smtClean="0"/>
               <a:pPr/>
-              <a:t>28/08/2019</a:t>
+              <a:t>29/08/2019</a:t>
             </a:fld>
             <a:endParaRPr lang="es-ES"/>
           </a:p>
@@ -2269,7 +2270,7 @@
             <a:fld id="{ECE2885B-9CEE-4B06-9B5A-AB75F988921C}" type="datetimeFigureOut">
               <a:rPr lang="es-ES" smtClean="0"/>
               <a:pPr/>
-              <a:t>28/08/2019</a:t>
+              <a:t>29/08/2019</a:t>
             </a:fld>
             <a:endParaRPr lang="es-ES"/>
           </a:p>
@@ -2523,7 +2524,7 @@
             <a:fld id="{ECE2885B-9CEE-4B06-9B5A-AB75F988921C}" type="datetimeFigureOut">
               <a:rPr lang="es-ES" smtClean="0"/>
               <a:pPr/>
-              <a:t>28/08/2019</a:t>
+              <a:t>29/08/2019</a:t>
             </a:fld>
             <a:endParaRPr lang="es-ES"/>
           </a:p>
@@ -2755,7 +2756,7 @@
             <a:fld id="{ECE2885B-9CEE-4B06-9B5A-AB75F988921C}" type="datetimeFigureOut">
               <a:rPr lang="es-ES" smtClean="0"/>
               <a:pPr/>
-              <a:t>28/08/2019</a:t>
+              <a:t>29/08/2019</a:t>
             </a:fld>
             <a:endParaRPr lang="es-ES"/>
           </a:p>
@@ -3289,8 +3290,8 @@
         </p:nvSpPr>
         <p:spPr>
           <a:xfrm>
-            <a:off x="2339752" y="274638"/>
-            <a:ext cx="6347048" cy="1143000"/>
+            <a:off x="683568" y="274638"/>
+            <a:ext cx="8003232" cy="922114"/>
           </a:xfrm>
         </p:spPr>
         <p:txBody>
@@ -3394,23 +3395,112 @@
           <a:p>
             <a:r>
               <a:rPr lang="pt-BR" dirty="0"/>
-              <a:t>Criando o seu primeiro script - </a:t>
-            </a:r>
-            <a:r>
-              <a:rPr lang="pt-BR" dirty="0" err="1"/>
-              <a:t>JavaScript</a:t>
-            </a:r>
+              <a:t>Criando o seu primeiro script - #04	</a:t>
+            </a:r>
+          </a:p>
+          <a:p>
             <a:endParaRPr lang="pt-BR" dirty="0"/>
           </a:p>
           <a:p>
+            <a:endParaRPr lang="es-ES" dirty="0"/>
+          </a:p>
+        </p:txBody>
+      </p:sp>
+    </p:spTree>
+  </p:cSld>
+  <p:clrMapOvr>
+    <a:masterClrMapping/>
+  </p:clrMapOvr>
+</p:sld>
+</file>
+
+<file path=ppt/slides/slide3.xml><?xml version="1.0" encoding="utf-8"?>
+<p:sld xmlns:a="http://schemas.openxmlformats.org/drawingml/2006/main" xmlns:r="http://schemas.openxmlformats.org/officeDocument/2006/relationships" xmlns:p="http://schemas.openxmlformats.org/presentationml/2006/main">
+  <p:cSld>
+    <p:spTree>
+      <p:nvGrpSpPr>
+        <p:cNvPr id="1" name=""/>
+        <p:cNvGrpSpPr/>
+        <p:nvPr/>
+      </p:nvGrpSpPr>
+      <p:grpSpPr>
+        <a:xfrm>
+          <a:off x="0" y="0"/>
+          <a:ext cx="0" cy="0"/>
+          <a:chOff x="0" y="0"/>
+          <a:chExt cx="0" cy="0"/>
+        </a:xfrm>
+      </p:grpSpPr>
+      <p:sp>
+        <p:nvSpPr>
+          <p:cNvPr id="2" name="Título 1">
+            <a:extLst>
+              <a:ext uri="{FF2B5EF4-FFF2-40B4-BE49-F238E27FC236}">
+                <a16:creationId xmlns:a16="http://schemas.microsoft.com/office/drawing/2014/main" id="{3C67E423-3B6E-4121-B00F-514C2C803D70}"/>
+              </a:ext>
+            </a:extLst>
+          </p:cNvPr>
+          <p:cNvSpPr>
+            <a:spLocks noGrp="1"/>
+          </p:cNvSpPr>
+          <p:nvPr>
+            <p:ph type="title"/>
+          </p:nvPr>
+        </p:nvSpPr>
+        <p:spPr/>
+        <p:txBody>
+          <a:bodyPr/>
+          <a:lstStyle/>
+          <a:p>
+            <a:pPr algn="r"/>
+            <a:r>
+              <a:rPr lang="pt-BR" dirty="0">
+                <a:solidFill>
+                  <a:schemeClr val="bg1"/>
+                </a:solidFill>
+              </a:rPr>
+              <a:t>Módulo =&gt; B</a:t>
+            </a:r>
+          </a:p>
+        </p:txBody>
+      </p:sp>
+      <p:sp>
+        <p:nvSpPr>
+          <p:cNvPr id="3" name="Espaço Reservado para Conteúdo 2">
+            <a:extLst>
+              <a:ext uri="{FF2B5EF4-FFF2-40B4-BE49-F238E27FC236}">
+                <a16:creationId xmlns:a16="http://schemas.microsoft.com/office/drawing/2014/main" id="{14C8BE96-A1D2-442D-9406-5132FDCF4DD7}"/>
+              </a:ext>
+            </a:extLst>
+          </p:cNvPr>
+          <p:cNvSpPr>
+            <a:spLocks noGrp="1"/>
+          </p:cNvSpPr>
+          <p:nvPr>
+            <p:ph idx="1"/>
+          </p:nvPr>
+        </p:nvSpPr>
+        <p:spPr/>
+        <p:txBody>
+          <a:bodyPr/>
+          <a:lstStyle/>
+          <a:p>
+            <a:r>
+              <a:rPr lang="pt-BR" dirty="0"/>
+              <a:t>Variáveis e Tipos Primitivos - #05</a:t>
+            </a:r>
+          </a:p>
+          <a:p>
             <a:endParaRPr lang="pt-BR" dirty="0"/>
           </a:p>
-          <a:p>
-            <a:endParaRPr lang="es-ES" dirty="0"/>
-          </a:p>
         </p:txBody>
       </p:sp>
     </p:spTree>
+    <p:extLst>
+      <p:ext uri="{BB962C8B-B14F-4D97-AF65-F5344CB8AC3E}">
+        <p14:creationId xmlns:p14="http://schemas.microsoft.com/office/powerpoint/2010/main" val="1761529072"/>
+      </p:ext>
+    </p:extLst>
   </p:cSld>
   <p:clrMapOvr>
     <a:masterClrMapping/>

--- a/Documentacao/Documentacao-curso-Javascript.pptx
+++ b/Documentacao/Documentacao-curso-Javascript.pptx
@@ -331,7 +331,7 @@
             <a:fld id="{ECE2885B-9CEE-4B06-9B5A-AB75F988921C}" type="datetimeFigureOut">
               <a:rPr lang="es-ES" smtClean="0"/>
               <a:pPr/>
-              <a:t>29/08/2019</a:t>
+              <a:t>02/09/2019</a:t>
             </a:fld>
             <a:endParaRPr lang="es-ES"/>
           </a:p>
@@ -498,7 +498,7 @@
             <a:fld id="{ECE2885B-9CEE-4B06-9B5A-AB75F988921C}" type="datetimeFigureOut">
               <a:rPr lang="es-ES" smtClean="0"/>
               <a:pPr/>
-              <a:t>29/08/2019</a:t>
+              <a:t>02/09/2019</a:t>
             </a:fld>
             <a:endParaRPr lang="es-ES"/>
           </a:p>
@@ -675,7 +675,7 @@
             <a:fld id="{ECE2885B-9CEE-4B06-9B5A-AB75F988921C}" type="datetimeFigureOut">
               <a:rPr lang="es-ES" smtClean="0"/>
               <a:pPr/>
-              <a:t>29/08/2019</a:t>
+              <a:t>02/09/2019</a:t>
             </a:fld>
             <a:endParaRPr lang="es-ES"/>
           </a:p>
@@ -842,7 +842,7 @@
             <a:fld id="{ECE2885B-9CEE-4B06-9B5A-AB75F988921C}" type="datetimeFigureOut">
               <a:rPr lang="es-ES" smtClean="0"/>
               <a:pPr/>
-              <a:t>29/08/2019</a:t>
+              <a:t>02/09/2019</a:t>
             </a:fld>
             <a:endParaRPr lang="es-ES"/>
           </a:p>
@@ -1085,7 +1085,7 @@
             <a:fld id="{ECE2885B-9CEE-4B06-9B5A-AB75F988921C}" type="datetimeFigureOut">
               <a:rPr lang="es-ES" smtClean="0"/>
               <a:pPr/>
-              <a:t>29/08/2019</a:t>
+              <a:t>02/09/2019</a:t>
             </a:fld>
             <a:endParaRPr lang="es-ES"/>
           </a:p>
@@ -1370,7 +1370,7 @@
             <a:fld id="{ECE2885B-9CEE-4B06-9B5A-AB75F988921C}" type="datetimeFigureOut">
               <a:rPr lang="es-ES" smtClean="0"/>
               <a:pPr/>
-              <a:t>29/08/2019</a:t>
+              <a:t>02/09/2019</a:t>
             </a:fld>
             <a:endParaRPr lang="es-ES"/>
           </a:p>
@@ -1789,7 +1789,7 @@
             <a:fld id="{ECE2885B-9CEE-4B06-9B5A-AB75F988921C}" type="datetimeFigureOut">
               <a:rPr lang="es-ES" smtClean="0"/>
               <a:pPr/>
-              <a:t>29/08/2019</a:t>
+              <a:t>02/09/2019</a:t>
             </a:fld>
             <a:endParaRPr lang="es-ES"/>
           </a:p>
@@ -1904,7 +1904,7 @@
             <a:fld id="{ECE2885B-9CEE-4B06-9B5A-AB75F988921C}" type="datetimeFigureOut">
               <a:rPr lang="es-ES" smtClean="0"/>
               <a:pPr/>
-              <a:t>29/08/2019</a:t>
+              <a:t>02/09/2019</a:t>
             </a:fld>
             <a:endParaRPr lang="es-ES"/>
           </a:p>
@@ -1996,7 +1996,7 @@
             <a:fld id="{ECE2885B-9CEE-4B06-9B5A-AB75F988921C}" type="datetimeFigureOut">
               <a:rPr lang="es-ES" smtClean="0"/>
               <a:pPr/>
-              <a:t>29/08/2019</a:t>
+              <a:t>02/09/2019</a:t>
             </a:fld>
             <a:endParaRPr lang="es-ES"/>
           </a:p>
@@ -2270,7 +2270,7 @@
             <a:fld id="{ECE2885B-9CEE-4B06-9B5A-AB75F988921C}" type="datetimeFigureOut">
               <a:rPr lang="es-ES" smtClean="0"/>
               <a:pPr/>
-              <a:t>29/08/2019</a:t>
+              <a:t>02/09/2019</a:t>
             </a:fld>
             <a:endParaRPr lang="es-ES"/>
           </a:p>
@@ -2524,7 +2524,7 @@
             <a:fld id="{ECE2885B-9CEE-4B06-9B5A-AB75F988921C}" type="datetimeFigureOut">
               <a:rPr lang="es-ES" smtClean="0"/>
               <a:pPr/>
-              <a:t>29/08/2019</a:t>
+              <a:t>02/09/2019</a:t>
             </a:fld>
             <a:endParaRPr lang="es-ES"/>
           </a:p>
@@ -2756,7 +2756,7 @@
             <a:fld id="{ECE2885B-9CEE-4B06-9B5A-AB75F988921C}" type="datetimeFigureOut">
               <a:rPr lang="es-ES" smtClean="0"/>
               <a:pPr/>
-              <a:t>29/08/2019</a:t>
+              <a:t>02/09/2019</a:t>
             </a:fld>
             <a:endParaRPr lang="es-ES"/>
           </a:p>
@@ -3491,6 +3491,12 @@
             </a:r>
           </a:p>
           <a:p>
+            <a:r>
+              <a:rPr lang="pt-BR" dirty="0"/>
+              <a:t>Tratamento de dados - #06</a:t>
+            </a:r>
+          </a:p>
+          <a:p>
             <a:endParaRPr lang="pt-BR" dirty="0"/>
           </a:p>
         </p:txBody>

--- a/Documentacao/Documentacao-curso-Javascript.pptx
+++ b/Documentacao/Documentacao-curso-Javascript.pptx
@@ -8,6 +8,7 @@
     <p:sldId id="256" r:id="rId3"/>
     <p:sldId id="257" r:id="rId4"/>
     <p:sldId id="258" r:id="rId5"/>
+    <p:sldId id="259" r:id="rId6"/>
   </p:sldIdLst>
   <p:sldSz cx="9144000" cy="6858000" type="screen4x3"/>
   <p:notesSz cx="6858000" cy="9144000"/>
@@ -331,7 +332,7 @@
             <a:fld id="{ECE2885B-9CEE-4B06-9B5A-AB75F988921C}" type="datetimeFigureOut">
               <a:rPr lang="es-ES" smtClean="0"/>
               <a:pPr/>
-              <a:t>02/09/2019</a:t>
+              <a:t>04/09/2019</a:t>
             </a:fld>
             <a:endParaRPr lang="es-ES"/>
           </a:p>
@@ -498,7 +499,7 @@
             <a:fld id="{ECE2885B-9CEE-4B06-9B5A-AB75F988921C}" type="datetimeFigureOut">
               <a:rPr lang="es-ES" smtClean="0"/>
               <a:pPr/>
-              <a:t>02/09/2019</a:t>
+              <a:t>04/09/2019</a:t>
             </a:fld>
             <a:endParaRPr lang="es-ES"/>
           </a:p>
@@ -675,7 +676,7 @@
             <a:fld id="{ECE2885B-9CEE-4B06-9B5A-AB75F988921C}" type="datetimeFigureOut">
               <a:rPr lang="es-ES" smtClean="0"/>
               <a:pPr/>
-              <a:t>02/09/2019</a:t>
+              <a:t>04/09/2019</a:t>
             </a:fld>
             <a:endParaRPr lang="es-ES"/>
           </a:p>
@@ -842,7 +843,7 @@
             <a:fld id="{ECE2885B-9CEE-4B06-9B5A-AB75F988921C}" type="datetimeFigureOut">
               <a:rPr lang="es-ES" smtClean="0"/>
               <a:pPr/>
-              <a:t>02/09/2019</a:t>
+              <a:t>04/09/2019</a:t>
             </a:fld>
             <a:endParaRPr lang="es-ES"/>
           </a:p>
@@ -1085,7 +1086,7 @@
             <a:fld id="{ECE2885B-9CEE-4B06-9B5A-AB75F988921C}" type="datetimeFigureOut">
               <a:rPr lang="es-ES" smtClean="0"/>
               <a:pPr/>
-              <a:t>02/09/2019</a:t>
+              <a:t>04/09/2019</a:t>
             </a:fld>
             <a:endParaRPr lang="es-ES"/>
           </a:p>
@@ -1370,7 +1371,7 @@
             <a:fld id="{ECE2885B-9CEE-4B06-9B5A-AB75F988921C}" type="datetimeFigureOut">
               <a:rPr lang="es-ES" smtClean="0"/>
               <a:pPr/>
-              <a:t>02/09/2019</a:t>
+              <a:t>04/09/2019</a:t>
             </a:fld>
             <a:endParaRPr lang="es-ES"/>
           </a:p>
@@ -1789,7 +1790,7 @@
             <a:fld id="{ECE2885B-9CEE-4B06-9B5A-AB75F988921C}" type="datetimeFigureOut">
               <a:rPr lang="es-ES" smtClean="0"/>
               <a:pPr/>
-              <a:t>02/09/2019</a:t>
+              <a:t>04/09/2019</a:t>
             </a:fld>
             <a:endParaRPr lang="es-ES"/>
           </a:p>
@@ -1904,7 +1905,7 @@
             <a:fld id="{ECE2885B-9CEE-4B06-9B5A-AB75F988921C}" type="datetimeFigureOut">
               <a:rPr lang="es-ES" smtClean="0"/>
               <a:pPr/>
-              <a:t>02/09/2019</a:t>
+              <a:t>04/09/2019</a:t>
             </a:fld>
             <a:endParaRPr lang="es-ES"/>
           </a:p>
@@ -1996,7 +1997,7 @@
             <a:fld id="{ECE2885B-9CEE-4B06-9B5A-AB75F988921C}" type="datetimeFigureOut">
               <a:rPr lang="es-ES" smtClean="0"/>
               <a:pPr/>
-              <a:t>02/09/2019</a:t>
+              <a:t>04/09/2019</a:t>
             </a:fld>
             <a:endParaRPr lang="es-ES"/>
           </a:p>
@@ -2270,7 +2271,7 @@
             <a:fld id="{ECE2885B-9CEE-4B06-9B5A-AB75F988921C}" type="datetimeFigureOut">
               <a:rPr lang="es-ES" smtClean="0"/>
               <a:pPr/>
-              <a:t>02/09/2019</a:t>
+              <a:t>04/09/2019</a:t>
             </a:fld>
             <a:endParaRPr lang="es-ES"/>
           </a:p>
@@ -2524,7 +2525,7 @@
             <a:fld id="{ECE2885B-9CEE-4B06-9B5A-AB75F988921C}" type="datetimeFigureOut">
               <a:rPr lang="es-ES" smtClean="0"/>
               <a:pPr/>
-              <a:t>02/09/2019</a:t>
+              <a:t>04/09/2019</a:t>
             </a:fld>
             <a:endParaRPr lang="es-ES"/>
           </a:p>
@@ -2756,7 +2757,7 @@
             <a:fld id="{ECE2885B-9CEE-4B06-9B5A-AB75F988921C}" type="datetimeFigureOut">
               <a:rPr lang="es-ES" smtClean="0"/>
               <a:pPr/>
-              <a:t>02/09/2019</a:t>
+              <a:t>04/09/2019</a:t>
             </a:fld>
             <a:endParaRPr lang="es-ES"/>
           </a:p>
@@ -3497,6 +3498,18 @@
             </a:r>
           </a:p>
           <a:p>
+            <a:r>
+              <a:rPr lang="pt-BR" dirty="0"/>
+              <a:t>Operadores (Parte 01) - #07</a:t>
+            </a:r>
+          </a:p>
+          <a:p>
+            <a:r>
+              <a:rPr lang="pt-BR" dirty="0"/>
+              <a:t>Operadores (Parte 02) - #08</a:t>
+            </a:r>
+          </a:p>
+          <a:p>
             <a:endParaRPr lang="pt-BR" dirty="0"/>
           </a:p>
         </p:txBody>
@@ -3505,6 +3518,97 @@
     <p:extLst>
       <p:ext uri="{BB962C8B-B14F-4D97-AF65-F5344CB8AC3E}">
         <p14:creationId xmlns:p14="http://schemas.microsoft.com/office/powerpoint/2010/main" val="1761529072"/>
+      </p:ext>
+    </p:extLst>
+  </p:cSld>
+  <p:clrMapOvr>
+    <a:masterClrMapping/>
+  </p:clrMapOvr>
+</p:sld>
+</file>
+
+<file path=ppt/slides/slide4.xml><?xml version="1.0" encoding="utf-8"?>
+<p:sld xmlns:a="http://schemas.openxmlformats.org/drawingml/2006/main" xmlns:r="http://schemas.openxmlformats.org/officeDocument/2006/relationships" xmlns:p="http://schemas.openxmlformats.org/presentationml/2006/main">
+  <p:cSld>
+    <p:spTree>
+      <p:nvGrpSpPr>
+        <p:cNvPr id="1" name=""/>
+        <p:cNvGrpSpPr/>
+        <p:nvPr/>
+      </p:nvGrpSpPr>
+      <p:grpSpPr>
+        <a:xfrm>
+          <a:off x="0" y="0"/>
+          <a:ext cx="0" cy="0"/>
+          <a:chOff x="0" y="0"/>
+          <a:chExt cx="0" cy="0"/>
+        </a:xfrm>
+      </p:grpSpPr>
+      <p:sp>
+        <p:nvSpPr>
+          <p:cNvPr id="2" name="Título 1">
+            <a:extLst>
+              <a:ext uri="{FF2B5EF4-FFF2-40B4-BE49-F238E27FC236}">
+                <a16:creationId xmlns:a16="http://schemas.microsoft.com/office/drawing/2014/main" id="{293E27EB-BD1F-40A7-A70D-B23A489CA0D6}"/>
+              </a:ext>
+            </a:extLst>
+          </p:cNvPr>
+          <p:cNvSpPr>
+            <a:spLocks noGrp="1"/>
+          </p:cNvSpPr>
+          <p:nvPr>
+            <p:ph type="title"/>
+          </p:nvPr>
+        </p:nvSpPr>
+        <p:spPr/>
+        <p:txBody>
+          <a:bodyPr/>
+          <a:lstStyle/>
+          <a:p>
+            <a:pPr algn="r"/>
+            <a:r>
+              <a:rPr lang="pt-BR" dirty="0">
+                <a:solidFill>
+                  <a:schemeClr val="bg1"/>
+                </a:solidFill>
+              </a:rPr>
+              <a:t>Módulo =&gt; C</a:t>
+            </a:r>
+          </a:p>
+        </p:txBody>
+      </p:sp>
+      <p:sp>
+        <p:nvSpPr>
+          <p:cNvPr id="3" name="Espaço Reservado para Conteúdo 2">
+            <a:extLst>
+              <a:ext uri="{FF2B5EF4-FFF2-40B4-BE49-F238E27FC236}">
+                <a16:creationId xmlns:a16="http://schemas.microsoft.com/office/drawing/2014/main" id="{76960223-E047-4607-AE72-8F65454E2B29}"/>
+              </a:ext>
+            </a:extLst>
+          </p:cNvPr>
+          <p:cNvSpPr>
+            <a:spLocks noGrp="1"/>
+          </p:cNvSpPr>
+          <p:nvPr>
+            <p:ph idx="1"/>
+          </p:nvPr>
+        </p:nvSpPr>
+        <p:spPr/>
+        <p:txBody>
+          <a:bodyPr/>
+          <a:lstStyle/>
+          <a:p>
+            <a:r>
+              <a:rPr lang="pt-BR" dirty="0"/>
+              <a:t>Entendendo o DOM</a:t>
+            </a:r>
+          </a:p>
+        </p:txBody>
+      </p:sp>
+    </p:spTree>
+    <p:extLst>
+      <p:ext uri="{BB962C8B-B14F-4D97-AF65-F5344CB8AC3E}">
+        <p14:creationId xmlns:p14="http://schemas.microsoft.com/office/powerpoint/2010/main" val="730986759"/>
       </p:ext>
     </p:extLst>
   </p:cSld>

--- a/Documentacao/Documentacao-curso-Javascript.pptx
+++ b/Documentacao/Documentacao-curso-Javascript.pptx
@@ -332,7 +332,7 @@
             <a:fld id="{ECE2885B-9CEE-4B06-9B5A-AB75F988921C}" type="datetimeFigureOut">
               <a:rPr lang="es-ES" smtClean="0"/>
               <a:pPr/>
-              <a:t>04/09/2019</a:t>
+              <a:t>05/09/2019</a:t>
             </a:fld>
             <a:endParaRPr lang="es-ES"/>
           </a:p>
@@ -499,7 +499,7 @@
             <a:fld id="{ECE2885B-9CEE-4B06-9B5A-AB75F988921C}" type="datetimeFigureOut">
               <a:rPr lang="es-ES" smtClean="0"/>
               <a:pPr/>
-              <a:t>04/09/2019</a:t>
+              <a:t>05/09/2019</a:t>
             </a:fld>
             <a:endParaRPr lang="es-ES"/>
           </a:p>
@@ -676,7 +676,7 @@
             <a:fld id="{ECE2885B-9CEE-4B06-9B5A-AB75F988921C}" type="datetimeFigureOut">
               <a:rPr lang="es-ES" smtClean="0"/>
               <a:pPr/>
-              <a:t>04/09/2019</a:t>
+              <a:t>05/09/2019</a:t>
             </a:fld>
             <a:endParaRPr lang="es-ES"/>
           </a:p>
@@ -843,7 +843,7 @@
             <a:fld id="{ECE2885B-9CEE-4B06-9B5A-AB75F988921C}" type="datetimeFigureOut">
               <a:rPr lang="es-ES" smtClean="0"/>
               <a:pPr/>
-              <a:t>04/09/2019</a:t>
+              <a:t>05/09/2019</a:t>
             </a:fld>
             <a:endParaRPr lang="es-ES"/>
           </a:p>
@@ -1086,7 +1086,7 @@
             <a:fld id="{ECE2885B-9CEE-4B06-9B5A-AB75F988921C}" type="datetimeFigureOut">
               <a:rPr lang="es-ES" smtClean="0"/>
               <a:pPr/>
-              <a:t>04/09/2019</a:t>
+              <a:t>05/09/2019</a:t>
             </a:fld>
             <a:endParaRPr lang="es-ES"/>
           </a:p>
@@ -1371,7 +1371,7 @@
             <a:fld id="{ECE2885B-9CEE-4B06-9B5A-AB75F988921C}" type="datetimeFigureOut">
               <a:rPr lang="es-ES" smtClean="0"/>
               <a:pPr/>
-              <a:t>04/09/2019</a:t>
+              <a:t>05/09/2019</a:t>
             </a:fld>
             <a:endParaRPr lang="es-ES"/>
           </a:p>
@@ -1790,7 +1790,7 @@
             <a:fld id="{ECE2885B-9CEE-4B06-9B5A-AB75F988921C}" type="datetimeFigureOut">
               <a:rPr lang="es-ES" smtClean="0"/>
               <a:pPr/>
-              <a:t>04/09/2019</a:t>
+              <a:t>05/09/2019</a:t>
             </a:fld>
             <a:endParaRPr lang="es-ES"/>
           </a:p>
@@ -1905,7 +1905,7 @@
             <a:fld id="{ECE2885B-9CEE-4B06-9B5A-AB75F988921C}" type="datetimeFigureOut">
               <a:rPr lang="es-ES" smtClean="0"/>
               <a:pPr/>
-              <a:t>04/09/2019</a:t>
+              <a:t>05/09/2019</a:t>
             </a:fld>
             <a:endParaRPr lang="es-ES"/>
           </a:p>
@@ -1997,7 +1997,7 @@
             <a:fld id="{ECE2885B-9CEE-4B06-9B5A-AB75F988921C}" type="datetimeFigureOut">
               <a:rPr lang="es-ES" smtClean="0"/>
               <a:pPr/>
-              <a:t>04/09/2019</a:t>
+              <a:t>05/09/2019</a:t>
             </a:fld>
             <a:endParaRPr lang="es-ES"/>
           </a:p>
@@ -2271,7 +2271,7 @@
             <a:fld id="{ECE2885B-9CEE-4B06-9B5A-AB75F988921C}" type="datetimeFigureOut">
               <a:rPr lang="es-ES" smtClean="0"/>
               <a:pPr/>
-              <a:t>04/09/2019</a:t>
+              <a:t>05/09/2019</a:t>
             </a:fld>
             <a:endParaRPr lang="es-ES"/>
           </a:p>
@@ -2525,7 +2525,7 @@
             <a:fld id="{ECE2885B-9CEE-4B06-9B5A-AB75F988921C}" type="datetimeFigureOut">
               <a:rPr lang="es-ES" smtClean="0"/>
               <a:pPr/>
-              <a:t>04/09/2019</a:t>
+              <a:t>05/09/2019</a:t>
             </a:fld>
             <a:endParaRPr lang="es-ES"/>
           </a:p>
@@ -2757,7 +2757,7 @@
             <a:fld id="{ECE2885B-9CEE-4B06-9B5A-AB75F988921C}" type="datetimeFigureOut">
               <a:rPr lang="es-ES" smtClean="0"/>
               <a:pPr/>
-              <a:t>04/09/2019</a:t>
+              <a:t>05/09/2019</a:t>
             </a:fld>
             <a:endParaRPr lang="es-ES"/>
           </a:p>
@@ -3603,6 +3603,12 @@
               <a:t>Entendendo o DOM</a:t>
             </a:r>
           </a:p>
+          <a:p>
+            <a:r>
+              <a:rPr lang="pt-BR" dirty="0"/>
+              <a:t>Introdução ao DOM - #09</a:t>
+            </a:r>
+          </a:p>
         </p:txBody>
       </p:sp>
     </p:spTree>

--- a/Documentacao/Documentacao-curso-Javascript.pptx
+++ b/Documentacao/Documentacao-curso-Javascript.pptx
@@ -9,6 +9,7 @@
     <p:sldId id="257" r:id="rId4"/>
     <p:sldId id="258" r:id="rId5"/>
     <p:sldId id="259" r:id="rId6"/>
+    <p:sldId id="260" r:id="rId7"/>
   </p:sldIdLst>
   <p:sldSz cx="9144000" cy="6858000" type="screen4x3"/>
   <p:notesSz cx="6858000" cy="9144000"/>
@@ -332,7 +333,7 @@
             <a:fld id="{ECE2885B-9CEE-4B06-9B5A-AB75F988921C}" type="datetimeFigureOut">
               <a:rPr lang="es-ES" smtClean="0"/>
               <a:pPr/>
-              <a:t>05/09/2019</a:t>
+              <a:t>06/09/2019</a:t>
             </a:fld>
             <a:endParaRPr lang="es-ES"/>
           </a:p>
@@ -499,7 +500,7 @@
             <a:fld id="{ECE2885B-9CEE-4B06-9B5A-AB75F988921C}" type="datetimeFigureOut">
               <a:rPr lang="es-ES" smtClean="0"/>
               <a:pPr/>
-              <a:t>05/09/2019</a:t>
+              <a:t>06/09/2019</a:t>
             </a:fld>
             <a:endParaRPr lang="es-ES"/>
           </a:p>
@@ -676,7 +677,7 @@
             <a:fld id="{ECE2885B-9CEE-4B06-9B5A-AB75F988921C}" type="datetimeFigureOut">
               <a:rPr lang="es-ES" smtClean="0"/>
               <a:pPr/>
-              <a:t>05/09/2019</a:t>
+              <a:t>06/09/2019</a:t>
             </a:fld>
             <a:endParaRPr lang="es-ES"/>
           </a:p>
@@ -843,7 +844,7 @@
             <a:fld id="{ECE2885B-9CEE-4B06-9B5A-AB75F988921C}" type="datetimeFigureOut">
               <a:rPr lang="es-ES" smtClean="0"/>
               <a:pPr/>
-              <a:t>05/09/2019</a:t>
+              <a:t>06/09/2019</a:t>
             </a:fld>
             <a:endParaRPr lang="es-ES"/>
           </a:p>
@@ -1086,7 +1087,7 @@
             <a:fld id="{ECE2885B-9CEE-4B06-9B5A-AB75F988921C}" type="datetimeFigureOut">
               <a:rPr lang="es-ES" smtClean="0"/>
               <a:pPr/>
-              <a:t>05/09/2019</a:t>
+              <a:t>06/09/2019</a:t>
             </a:fld>
             <a:endParaRPr lang="es-ES"/>
           </a:p>
@@ -1371,7 +1372,7 @@
             <a:fld id="{ECE2885B-9CEE-4B06-9B5A-AB75F988921C}" type="datetimeFigureOut">
               <a:rPr lang="es-ES" smtClean="0"/>
               <a:pPr/>
-              <a:t>05/09/2019</a:t>
+              <a:t>06/09/2019</a:t>
             </a:fld>
             <a:endParaRPr lang="es-ES"/>
           </a:p>
@@ -1790,7 +1791,7 @@
             <a:fld id="{ECE2885B-9CEE-4B06-9B5A-AB75F988921C}" type="datetimeFigureOut">
               <a:rPr lang="es-ES" smtClean="0"/>
               <a:pPr/>
-              <a:t>05/09/2019</a:t>
+              <a:t>06/09/2019</a:t>
             </a:fld>
             <a:endParaRPr lang="es-ES"/>
           </a:p>
@@ -1905,7 +1906,7 @@
             <a:fld id="{ECE2885B-9CEE-4B06-9B5A-AB75F988921C}" type="datetimeFigureOut">
               <a:rPr lang="es-ES" smtClean="0"/>
               <a:pPr/>
-              <a:t>05/09/2019</a:t>
+              <a:t>06/09/2019</a:t>
             </a:fld>
             <a:endParaRPr lang="es-ES"/>
           </a:p>
@@ -1997,7 +1998,7 @@
             <a:fld id="{ECE2885B-9CEE-4B06-9B5A-AB75F988921C}" type="datetimeFigureOut">
               <a:rPr lang="es-ES" smtClean="0"/>
               <a:pPr/>
-              <a:t>05/09/2019</a:t>
+              <a:t>06/09/2019</a:t>
             </a:fld>
             <a:endParaRPr lang="es-ES"/>
           </a:p>
@@ -2271,7 +2272,7 @@
             <a:fld id="{ECE2885B-9CEE-4B06-9B5A-AB75F988921C}" type="datetimeFigureOut">
               <a:rPr lang="es-ES" smtClean="0"/>
               <a:pPr/>
-              <a:t>05/09/2019</a:t>
+              <a:t>06/09/2019</a:t>
             </a:fld>
             <a:endParaRPr lang="es-ES"/>
           </a:p>
@@ -2525,7 +2526,7 @@
             <a:fld id="{ECE2885B-9CEE-4B06-9B5A-AB75F988921C}" type="datetimeFigureOut">
               <a:rPr lang="es-ES" smtClean="0"/>
               <a:pPr/>
-              <a:t>05/09/2019</a:t>
+              <a:t>06/09/2019</a:t>
             </a:fld>
             <a:endParaRPr lang="es-ES"/>
           </a:p>
@@ -2757,7 +2758,7 @@
             <a:fld id="{ECE2885B-9CEE-4B06-9B5A-AB75F988921C}" type="datetimeFigureOut">
               <a:rPr lang="es-ES" smtClean="0"/>
               <a:pPr/>
-              <a:t>05/09/2019</a:t>
+              <a:t>06/09/2019</a:t>
             </a:fld>
             <a:endParaRPr lang="es-ES"/>
           </a:p>
@@ -3609,12 +3610,120 @@
               <a:t>Introdução ao DOM - #09</a:t>
             </a:r>
           </a:p>
+          <a:p>
+            <a:r>
+              <a:rPr lang="pt-BR" dirty="0"/>
+              <a:t>Eventos DOM - #10</a:t>
+            </a:r>
+          </a:p>
         </p:txBody>
       </p:sp>
     </p:spTree>
     <p:extLst>
       <p:ext uri="{BB962C8B-B14F-4D97-AF65-F5344CB8AC3E}">
         <p14:creationId xmlns:p14="http://schemas.microsoft.com/office/powerpoint/2010/main" val="730986759"/>
+      </p:ext>
+    </p:extLst>
+  </p:cSld>
+  <p:clrMapOvr>
+    <a:masterClrMapping/>
+  </p:clrMapOvr>
+</p:sld>
+</file>
+
+<file path=ppt/slides/slide5.xml><?xml version="1.0" encoding="utf-8"?>
+<p:sld xmlns:a="http://schemas.openxmlformats.org/drawingml/2006/main" xmlns:r="http://schemas.openxmlformats.org/officeDocument/2006/relationships" xmlns:p="http://schemas.openxmlformats.org/presentationml/2006/main">
+  <p:cSld>
+    <p:spTree>
+      <p:nvGrpSpPr>
+        <p:cNvPr id="1" name=""/>
+        <p:cNvGrpSpPr/>
+        <p:nvPr/>
+      </p:nvGrpSpPr>
+      <p:grpSpPr>
+        <a:xfrm>
+          <a:off x="0" y="0"/>
+          <a:ext cx="0" cy="0"/>
+          <a:chOff x="0" y="0"/>
+          <a:chExt cx="0" cy="0"/>
+        </a:xfrm>
+      </p:grpSpPr>
+      <p:sp>
+        <p:nvSpPr>
+          <p:cNvPr id="2" name="Título 1">
+            <a:extLst>
+              <a:ext uri="{FF2B5EF4-FFF2-40B4-BE49-F238E27FC236}">
+                <a16:creationId xmlns:a16="http://schemas.microsoft.com/office/drawing/2014/main" id="{2418E3A4-8740-42F2-BA63-7D00732E3162}"/>
+              </a:ext>
+            </a:extLst>
+          </p:cNvPr>
+          <p:cNvSpPr>
+            <a:spLocks noGrp="1"/>
+          </p:cNvSpPr>
+          <p:nvPr>
+            <p:ph type="title"/>
+          </p:nvPr>
+        </p:nvSpPr>
+        <p:spPr/>
+        <p:txBody>
+          <a:bodyPr/>
+          <a:lstStyle/>
+          <a:p>
+            <a:pPr algn="r"/>
+            <a:r>
+              <a:rPr lang="pt-BR" dirty="0">
+                <a:solidFill>
+                  <a:schemeClr val="bg1"/>
+                </a:solidFill>
+              </a:rPr>
+              <a:t>Módulo =&gt; D</a:t>
+            </a:r>
+          </a:p>
+        </p:txBody>
+      </p:sp>
+      <p:sp>
+        <p:nvSpPr>
+          <p:cNvPr id="3" name="Espaço Reservado para Conteúdo 2">
+            <a:extLst>
+              <a:ext uri="{FF2B5EF4-FFF2-40B4-BE49-F238E27FC236}">
+                <a16:creationId xmlns:a16="http://schemas.microsoft.com/office/drawing/2014/main" id="{47A1329C-E9D1-4DFB-AD4D-64B0E91D4182}"/>
+              </a:ext>
+            </a:extLst>
+          </p:cNvPr>
+          <p:cNvSpPr>
+            <a:spLocks noGrp="1"/>
+          </p:cNvSpPr>
+          <p:nvPr>
+            <p:ph idx="1"/>
+          </p:nvPr>
+        </p:nvSpPr>
+        <p:spPr/>
+        <p:txBody>
+          <a:bodyPr/>
+          <a:lstStyle/>
+          <a:p>
+            <a:r>
+              <a:rPr lang="pt-BR" dirty="0"/>
+              <a:t>Módulo D condições em </a:t>
+            </a:r>
+            <a:r>
+              <a:rPr lang="pt-BR" dirty="0" err="1"/>
+              <a:t>Javascript</a:t>
+            </a:r>
+            <a:endParaRPr lang="pt-BR" dirty="0"/>
+          </a:p>
+          <a:p>
+            <a:r>
+              <a:rPr lang="pt-BR" dirty="0"/>
+              <a:t>Condições (Parte 01) #11</a:t>
+            </a:r>
+          </a:p>
+        </p:txBody>
+      </p:sp>
+    </p:spTree>
+    <p:extLst>
+      <p:ext uri="{BB962C8B-B14F-4D97-AF65-F5344CB8AC3E}">
+        <p14:creationId xmlns:p14="http://schemas.microsoft.com/office/powerpoint/2010/main" val="1894388230"/>
       </p:ext>
     </p:extLst>
   </p:cSld>

--- a/Documentacao/Documentacao-curso-Javascript.pptx
+++ b/Documentacao/Documentacao-curso-Javascript.pptx
@@ -333,7 +333,7 @@
             <a:fld id="{ECE2885B-9CEE-4B06-9B5A-AB75F988921C}" type="datetimeFigureOut">
               <a:rPr lang="es-ES" smtClean="0"/>
               <a:pPr/>
-              <a:t>06/09/2019</a:t>
+              <a:t>10/09/2019</a:t>
             </a:fld>
             <a:endParaRPr lang="es-ES"/>
           </a:p>
@@ -500,7 +500,7 @@
             <a:fld id="{ECE2885B-9CEE-4B06-9B5A-AB75F988921C}" type="datetimeFigureOut">
               <a:rPr lang="es-ES" smtClean="0"/>
               <a:pPr/>
-              <a:t>06/09/2019</a:t>
+              <a:t>10/09/2019</a:t>
             </a:fld>
             <a:endParaRPr lang="es-ES"/>
           </a:p>
@@ -677,7 +677,7 @@
             <a:fld id="{ECE2885B-9CEE-4B06-9B5A-AB75F988921C}" type="datetimeFigureOut">
               <a:rPr lang="es-ES" smtClean="0"/>
               <a:pPr/>
-              <a:t>06/09/2019</a:t>
+              <a:t>10/09/2019</a:t>
             </a:fld>
             <a:endParaRPr lang="es-ES"/>
           </a:p>
@@ -844,7 +844,7 @@
             <a:fld id="{ECE2885B-9CEE-4B06-9B5A-AB75F988921C}" type="datetimeFigureOut">
               <a:rPr lang="es-ES" smtClean="0"/>
               <a:pPr/>
-              <a:t>06/09/2019</a:t>
+              <a:t>10/09/2019</a:t>
             </a:fld>
             <a:endParaRPr lang="es-ES"/>
           </a:p>
@@ -1087,7 +1087,7 @@
             <a:fld id="{ECE2885B-9CEE-4B06-9B5A-AB75F988921C}" type="datetimeFigureOut">
               <a:rPr lang="es-ES" smtClean="0"/>
               <a:pPr/>
-              <a:t>06/09/2019</a:t>
+              <a:t>10/09/2019</a:t>
             </a:fld>
             <a:endParaRPr lang="es-ES"/>
           </a:p>
@@ -1372,7 +1372,7 @@
             <a:fld id="{ECE2885B-9CEE-4B06-9B5A-AB75F988921C}" type="datetimeFigureOut">
               <a:rPr lang="es-ES" smtClean="0"/>
               <a:pPr/>
-              <a:t>06/09/2019</a:t>
+              <a:t>10/09/2019</a:t>
             </a:fld>
             <a:endParaRPr lang="es-ES"/>
           </a:p>
@@ -1791,7 +1791,7 @@
             <a:fld id="{ECE2885B-9CEE-4B06-9B5A-AB75F988921C}" type="datetimeFigureOut">
               <a:rPr lang="es-ES" smtClean="0"/>
               <a:pPr/>
-              <a:t>06/09/2019</a:t>
+              <a:t>10/09/2019</a:t>
             </a:fld>
             <a:endParaRPr lang="es-ES"/>
           </a:p>
@@ -1906,7 +1906,7 @@
             <a:fld id="{ECE2885B-9CEE-4B06-9B5A-AB75F988921C}" type="datetimeFigureOut">
               <a:rPr lang="es-ES" smtClean="0"/>
               <a:pPr/>
-              <a:t>06/09/2019</a:t>
+              <a:t>10/09/2019</a:t>
             </a:fld>
             <a:endParaRPr lang="es-ES"/>
           </a:p>
@@ -1998,7 +1998,7 @@
             <a:fld id="{ECE2885B-9CEE-4B06-9B5A-AB75F988921C}" type="datetimeFigureOut">
               <a:rPr lang="es-ES" smtClean="0"/>
               <a:pPr/>
-              <a:t>06/09/2019</a:t>
+              <a:t>10/09/2019</a:t>
             </a:fld>
             <a:endParaRPr lang="es-ES"/>
           </a:p>
@@ -2272,7 +2272,7 @@
             <a:fld id="{ECE2885B-9CEE-4B06-9B5A-AB75F988921C}" type="datetimeFigureOut">
               <a:rPr lang="es-ES" smtClean="0"/>
               <a:pPr/>
-              <a:t>06/09/2019</a:t>
+              <a:t>10/09/2019</a:t>
             </a:fld>
             <a:endParaRPr lang="es-ES"/>
           </a:p>
@@ -2526,7 +2526,7 @@
             <a:fld id="{ECE2885B-9CEE-4B06-9B5A-AB75F988921C}" type="datetimeFigureOut">
               <a:rPr lang="es-ES" smtClean="0"/>
               <a:pPr/>
-              <a:t>06/09/2019</a:t>
+              <a:t>10/09/2019</a:t>
             </a:fld>
             <a:endParaRPr lang="es-ES"/>
           </a:p>
@@ -2758,7 +2758,7 @@
             <a:fld id="{ECE2885B-9CEE-4B06-9B5A-AB75F988921C}" type="datetimeFigureOut">
               <a:rPr lang="es-ES" smtClean="0"/>
               <a:pPr/>
-              <a:t>06/09/2019</a:t>
+              <a:t>10/09/2019</a:t>
             </a:fld>
             <a:endParaRPr lang="es-ES"/>
           </a:p>
@@ -3718,6 +3718,68 @@
               <a:t>Condições (Parte 01) #11</a:t>
             </a:r>
           </a:p>
+          <a:p>
+            <a:r>
+              <a:rPr lang="pt-BR" dirty="0"/>
+              <a:t>Condições (Parte 02) #12</a:t>
+            </a:r>
+          </a:p>
+          <a:p>
+            <a:r>
+              <a:rPr lang="pt-BR" dirty="0">
+                <a:solidFill>
+                  <a:srgbClr val="00B050"/>
+                </a:solidFill>
+              </a:rPr>
+              <a:t>// </a:t>
+            </a:r>
+            <a:r>
+              <a:rPr lang="pt-BR" dirty="0" err="1">
+                <a:solidFill>
+                  <a:srgbClr val="00B050"/>
+                </a:solidFill>
+              </a:rPr>
+              <a:t>if</a:t>
+            </a:r>
+            <a:r>
+              <a:rPr lang="pt-BR" dirty="0">
+                <a:solidFill>
+                  <a:srgbClr val="00B050"/>
+                </a:solidFill>
+              </a:rPr>
+              <a:t> – </a:t>
+            </a:r>
+            <a:r>
+              <a:rPr lang="pt-BR" dirty="0" err="1">
+                <a:solidFill>
+                  <a:srgbClr val="00B050"/>
+                </a:solidFill>
+              </a:rPr>
+              <a:t>else</a:t>
+            </a:r>
+            <a:r>
+              <a:rPr lang="pt-BR" dirty="0">
+                <a:solidFill>
+                  <a:srgbClr val="00B050"/>
+                </a:solidFill>
+              </a:rPr>
+              <a:t> – switch() case</a:t>
+            </a:r>
+          </a:p>
+          <a:p>
+            <a:r>
+              <a:rPr lang="pt-BR"/>
+              <a:t>aa</a:t>
+            </a:r>
+            <a:endParaRPr lang="pt-BR" dirty="0"/>
+          </a:p>
+          <a:p>
+            <a:endParaRPr lang="pt-BR" dirty="0">
+              <a:solidFill>
+                <a:srgbClr val="00B050"/>
+              </a:solidFill>
+            </a:endParaRPr>
+          </a:p>
         </p:txBody>
       </p:sp>
     </p:spTree>

--- a/Documentacao/Documentacao-curso-Javascript.pptx
+++ b/Documentacao/Documentacao-curso-Javascript.pptx
@@ -10,6 +10,7 @@
     <p:sldId id="258" r:id="rId5"/>
     <p:sldId id="259" r:id="rId6"/>
     <p:sldId id="260" r:id="rId7"/>
+    <p:sldId id="261" r:id="rId8"/>
   </p:sldIdLst>
   <p:sldSz cx="9144000" cy="6858000" type="screen4x3"/>
   <p:notesSz cx="6858000" cy="9144000"/>
@@ -333,7 +334,7 @@
             <a:fld id="{ECE2885B-9CEE-4B06-9B5A-AB75F988921C}" type="datetimeFigureOut">
               <a:rPr lang="es-ES" smtClean="0"/>
               <a:pPr/>
-              <a:t>10/09/2019</a:t>
+              <a:t>12/09/2019</a:t>
             </a:fld>
             <a:endParaRPr lang="es-ES"/>
           </a:p>
@@ -500,7 +501,7 @@
             <a:fld id="{ECE2885B-9CEE-4B06-9B5A-AB75F988921C}" type="datetimeFigureOut">
               <a:rPr lang="es-ES" smtClean="0"/>
               <a:pPr/>
-              <a:t>10/09/2019</a:t>
+              <a:t>12/09/2019</a:t>
             </a:fld>
             <a:endParaRPr lang="es-ES"/>
           </a:p>
@@ -677,7 +678,7 @@
             <a:fld id="{ECE2885B-9CEE-4B06-9B5A-AB75F988921C}" type="datetimeFigureOut">
               <a:rPr lang="es-ES" smtClean="0"/>
               <a:pPr/>
-              <a:t>10/09/2019</a:t>
+              <a:t>12/09/2019</a:t>
             </a:fld>
             <a:endParaRPr lang="es-ES"/>
           </a:p>
@@ -844,7 +845,7 @@
             <a:fld id="{ECE2885B-9CEE-4B06-9B5A-AB75F988921C}" type="datetimeFigureOut">
               <a:rPr lang="es-ES" smtClean="0"/>
               <a:pPr/>
-              <a:t>10/09/2019</a:t>
+              <a:t>12/09/2019</a:t>
             </a:fld>
             <a:endParaRPr lang="es-ES"/>
           </a:p>
@@ -1087,7 +1088,7 @@
             <a:fld id="{ECE2885B-9CEE-4B06-9B5A-AB75F988921C}" type="datetimeFigureOut">
               <a:rPr lang="es-ES" smtClean="0"/>
               <a:pPr/>
-              <a:t>10/09/2019</a:t>
+              <a:t>12/09/2019</a:t>
             </a:fld>
             <a:endParaRPr lang="es-ES"/>
           </a:p>
@@ -1372,7 +1373,7 @@
             <a:fld id="{ECE2885B-9CEE-4B06-9B5A-AB75F988921C}" type="datetimeFigureOut">
               <a:rPr lang="es-ES" smtClean="0"/>
               <a:pPr/>
-              <a:t>10/09/2019</a:t>
+              <a:t>12/09/2019</a:t>
             </a:fld>
             <a:endParaRPr lang="es-ES"/>
           </a:p>
@@ -1791,7 +1792,7 @@
             <a:fld id="{ECE2885B-9CEE-4B06-9B5A-AB75F988921C}" type="datetimeFigureOut">
               <a:rPr lang="es-ES" smtClean="0"/>
               <a:pPr/>
-              <a:t>10/09/2019</a:t>
+              <a:t>12/09/2019</a:t>
             </a:fld>
             <a:endParaRPr lang="es-ES"/>
           </a:p>
@@ -1906,7 +1907,7 @@
             <a:fld id="{ECE2885B-9CEE-4B06-9B5A-AB75F988921C}" type="datetimeFigureOut">
               <a:rPr lang="es-ES" smtClean="0"/>
               <a:pPr/>
-              <a:t>10/09/2019</a:t>
+              <a:t>12/09/2019</a:t>
             </a:fld>
             <a:endParaRPr lang="es-ES"/>
           </a:p>
@@ -1998,7 +1999,7 @@
             <a:fld id="{ECE2885B-9CEE-4B06-9B5A-AB75F988921C}" type="datetimeFigureOut">
               <a:rPr lang="es-ES" smtClean="0"/>
               <a:pPr/>
-              <a:t>10/09/2019</a:t>
+              <a:t>12/09/2019</a:t>
             </a:fld>
             <a:endParaRPr lang="es-ES"/>
           </a:p>
@@ -2272,7 +2273,7 @@
             <a:fld id="{ECE2885B-9CEE-4B06-9B5A-AB75F988921C}" type="datetimeFigureOut">
               <a:rPr lang="es-ES" smtClean="0"/>
               <a:pPr/>
-              <a:t>10/09/2019</a:t>
+              <a:t>12/09/2019</a:t>
             </a:fld>
             <a:endParaRPr lang="es-ES"/>
           </a:p>
@@ -2526,7 +2527,7 @@
             <a:fld id="{ECE2885B-9CEE-4B06-9B5A-AB75F988921C}" type="datetimeFigureOut">
               <a:rPr lang="es-ES" smtClean="0"/>
               <a:pPr/>
-              <a:t>10/09/2019</a:t>
+              <a:t>12/09/2019</a:t>
             </a:fld>
             <a:endParaRPr lang="es-ES"/>
           </a:p>
@@ -2758,7 +2759,7 @@
             <a:fld id="{ECE2885B-9CEE-4B06-9B5A-AB75F988921C}" type="datetimeFigureOut">
               <a:rPr lang="es-ES" smtClean="0"/>
               <a:pPr/>
-              <a:t>10/09/2019</a:t>
+              <a:t>12/09/2019</a:t>
             </a:fld>
             <a:endParaRPr lang="es-ES"/>
           </a:p>
@@ -3726,51 +3727,15 @@
           </a:p>
           <a:p>
             <a:r>
-              <a:rPr lang="pt-BR" dirty="0">
-                <a:solidFill>
-                  <a:srgbClr val="00B050"/>
-                </a:solidFill>
-              </a:rPr>
-              <a:t>// </a:t>
-            </a:r>
-            <a:r>
-              <a:rPr lang="pt-BR" dirty="0" err="1">
-                <a:solidFill>
-                  <a:srgbClr val="00B050"/>
-                </a:solidFill>
-              </a:rPr>
-              <a:t>if</a:t>
-            </a:r>
-            <a:r>
-              <a:rPr lang="pt-BR" dirty="0">
-                <a:solidFill>
-                  <a:srgbClr val="00B050"/>
-                </a:solidFill>
-              </a:rPr>
-              <a:t> – </a:t>
-            </a:r>
-            <a:r>
-              <a:rPr lang="pt-BR" dirty="0" err="1">
-                <a:solidFill>
-                  <a:srgbClr val="00B050"/>
-                </a:solidFill>
-              </a:rPr>
-              <a:t>else</a:t>
-            </a:r>
-            <a:r>
-              <a:rPr lang="pt-BR" dirty="0">
-                <a:solidFill>
-                  <a:srgbClr val="00B050"/>
-                </a:solidFill>
-              </a:rPr>
-              <a:t> – switch() case</a:t>
-            </a:r>
-          </a:p>
-          <a:p>
-            <a:r>
-              <a:rPr lang="pt-BR"/>
-              <a:t>aa</a:t>
-            </a:r>
+              <a:rPr lang="pt-BR" dirty="0" err="1"/>
+              <a:t>Exercicios</a:t>
+            </a:r>
+            <a:r>
+              <a:rPr lang="pt-BR" dirty="0"/>
+              <a:t> (Parte 03) #13</a:t>
+            </a:r>
+          </a:p>
+          <a:p>
             <a:endParaRPr lang="pt-BR" dirty="0"/>
           </a:p>
           <a:p>
@@ -3786,6 +3751,103 @@
     <p:extLst>
       <p:ext uri="{BB962C8B-B14F-4D97-AF65-F5344CB8AC3E}">
         <p14:creationId xmlns:p14="http://schemas.microsoft.com/office/powerpoint/2010/main" val="1894388230"/>
+      </p:ext>
+    </p:extLst>
+  </p:cSld>
+  <p:clrMapOvr>
+    <a:masterClrMapping/>
+  </p:clrMapOvr>
+</p:sld>
+</file>
+
+<file path=ppt/slides/slide6.xml><?xml version="1.0" encoding="utf-8"?>
+<p:sld xmlns:a="http://schemas.openxmlformats.org/drawingml/2006/main" xmlns:r="http://schemas.openxmlformats.org/officeDocument/2006/relationships" xmlns:p="http://schemas.openxmlformats.org/presentationml/2006/main">
+  <p:cSld>
+    <p:spTree>
+      <p:nvGrpSpPr>
+        <p:cNvPr id="1" name=""/>
+        <p:cNvGrpSpPr/>
+        <p:nvPr/>
+      </p:nvGrpSpPr>
+      <p:grpSpPr>
+        <a:xfrm>
+          <a:off x="0" y="0"/>
+          <a:ext cx="0" cy="0"/>
+          <a:chOff x="0" y="0"/>
+          <a:chExt cx="0" cy="0"/>
+        </a:xfrm>
+      </p:grpSpPr>
+      <p:sp>
+        <p:nvSpPr>
+          <p:cNvPr id="2" name="Título 1">
+            <a:extLst>
+              <a:ext uri="{FF2B5EF4-FFF2-40B4-BE49-F238E27FC236}">
+                <a16:creationId xmlns:a16="http://schemas.microsoft.com/office/drawing/2014/main" id="{4DB43A1B-0F12-47C3-8D89-1C9CF3E4DC17}"/>
+              </a:ext>
+            </a:extLst>
+          </p:cNvPr>
+          <p:cNvSpPr>
+            <a:spLocks noGrp="1"/>
+          </p:cNvSpPr>
+          <p:nvPr>
+            <p:ph type="title"/>
+          </p:nvPr>
+        </p:nvSpPr>
+        <p:spPr/>
+        <p:txBody>
+          <a:bodyPr/>
+          <a:lstStyle/>
+          <a:p>
+            <a:pPr algn="r"/>
+            <a:r>
+              <a:rPr lang="pt-BR" dirty="0">
+                <a:solidFill>
+                  <a:schemeClr val="bg1"/>
+                </a:solidFill>
+              </a:rPr>
+              <a:t>Módulo =&gt; E</a:t>
+            </a:r>
+            <a:endParaRPr lang="pt-BR" dirty="0"/>
+          </a:p>
+        </p:txBody>
+      </p:sp>
+      <p:sp>
+        <p:nvSpPr>
+          <p:cNvPr id="3" name="Espaço Reservado para Conteúdo 2">
+            <a:extLst>
+              <a:ext uri="{FF2B5EF4-FFF2-40B4-BE49-F238E27FC236}">
+                <a16:creationId xmlns:a16="http://schemas.microsoft.com/office/drawing/2014/main" id="{A2F10248-BB90-4F95-8FDF-3B4C1BAE373C}"/>
+              </a:ext>
+            </a:extLst>
+          </p:cNvPr>
+          <p:cNvSpPr>
+            <a:spLocks noGrp="1"/>
+          </p:cNvSpPr>
+          <p:nvPr>
+            <p:ph idx="1"/>
+          </p:nvPr>
+        </p:nvSpPr>
+        <p:spPr/>
+        <p:txBody>
+          <a:bodyPr/>
+          <a:lstStyle/>
+          <a:p>
+            <a:r>
+              <a:rPr lang="pt-BR" dirty="0"/>
+              <a:t>Repetições em </a:t>
+            </a:r>
+            <a:r>
+              <a:rPr lang="pt-BR" dirty="0" err="1"/>
+              <a:t>javascript</a:t>
+            </a:r>
+            <a:endParaRPr lang="pt-BR" dirty="0"/>
+          </a:p>
+        </p:txBody>
+      </p:sp>
+    </p:spTree>
+    <p:extLst>
+      <p:ext uri="{BB962C8B-B14F-4D97-AF65-F5344CB8AC3E}">
+        <p14:creationId xmlns:p14="http://schemas.microsoft.com/office/powerpoint/2010/main" val="1244778965"/>
       </p:ext>
     </p:extLst>
   </p:cSld>

--- a/Documentacao/Documentacao-curso-Javascript.pptx
+++ b/Documentacao/Documentacao-curso-Javascript.pptx
@@ -3732,7 +3732,7 @@
             </a:r>
             <a:r>
               <a:rPr lang="pt-BR" dirty="0"/>
-              <a:t> (Parte 03) #13</a:t>
+              <a:t> (Parte 03) #12</a:t>
             </a:r>
           </a:p>
           <a:p>
@@ -3841,6 +3841,38 @@
               <a:t>javascript</a:t>
             </a:r>
             <a:endParaRPr lang="pt-BR" dirty="0"/>
+          </a:p>
+          <a:p>
+            <a:r>
+              <a:rPr lang="pt-BR" dirty="0" err="1"/>
+              <a:t>Repetção</a:t>
+            </a:r>
+            <a:r>
+              <a:rPr lang="pt-BR" dirty="0"/>
+              <a:t>  </a:t>
+            </a:r>
+            <a:r>
+              <a:rPr lang="pt-BR" dirty="0" err="1"/>
+              <a:t>while</a:t>
+            </a:r>
+            <a:r>
+              <a:rPr lang="pt-BR" dirty="0"/>
+              <a:t> / do </a:t>
+            </a:r>
+            <a:r>
+              <a:rPr lang="pt-BR" dirty="0" err="1"/>
+              <a:t>while</a:t>
+            </a:r>
+            <a:r>
+              <a:rPr lang="pt-BR" dirty="0"/>
+              <a:t> #13</a:t>
+            </a:r>
+          </a:p>
+          <a:p>
+            <a:r>
+              <a:rPr lang="pt-BR" dirty="0"/>
+              <a:t>Repetição for #14</a:t>
+            </a:r>
           </a:p>
         </p:txBody>
       </p:sp>

--- a/Documentacao/Documentacao-curso-Javascript.pptx
+++ b/Documentacao/Documentacao-curso-Javascript.pptx
@@ -11,6 +11,7 @@
     <p:sldId id="259" r:id="rId6"/>
     <p:sldId id="260" r:id="rId7"/>
     <p:sldId id="261" r:id="rId8"/>
+    <p:sldId id="262" r:id="rId9"/>
   </p:sldIdLst>
   <p:sldSz cx="9144000" cy="6858000" type="screen4x3"/>
   <p:notesSz cx="6858000" cy="9144000"/>
@@ -334,7 +335,7 @@
             <a:fld id="{ECE2885B-9CEE-4B06-9B5A-AB75F988921C}" type="datetimeFigureOut">
               <a:rPr lang="es-ES" smtClean="0"/>
               <a:pPr/>
-              <a:t>12/09/2019</a:t>
+              <a:t>15/09/2019</a:t>
             </a:fld>
             <a:endParaRPr lang="es-ES"/>
           </a:p>
@@ -501,7 +502,7 @@
             <a:fld id="{ECE2885B-9CEE-4B06-9B5A-AB75F988921C}" type="datetimeFigureOut">
               <a:rPr lang="es-ES" smtClean="0"/>
               <a:pPr/>
-              <a:t>12/09/2019</a:t>
+              <a:t>15/09/2019</a:t>
             </a:fld>
             <a:endParaRPr lang="es-ES"/>
           </a:p>
@@ -678,7 +679,7 @@
             <a:fld id="{ECE2885B-9CEE-4B06-9B5A-AB75F988921C}" type="datetimeFigureOut">
               <a:rPr lang="es-ES" smtClean="0"/>
               <a:pPr/>
-              <a:t>12/09/2019</a:t>
+              <a:t>15/09/2019</a:t>
             </a:fld>
             <a:endParaRPr lang="es-ES"/>
           </a:p>
@@ -845,7 +846,7 @@
             <a:fld id="{ECE2885B-9CEE-4B06-9B5A-AB75F988921C}" type="datetimeFigureOut">
               <a:rPr lang="es-ES" smtClean="0"/>
               <a:pPr/>
-              <a:t>12/09/2019</a:t>
+              <a:t>15/09/2019</a:t>
             </a:fld>
             <a:endParaRPr lang="es-ES"/>
           </a:p>
@@ -1088,7 +1089,7 @@
             <a:fld id="{ECE2885B-9CEE-4B06-9B5A-AB75F988921C}" type="datetimeFigureOut">
               <a:rPr lang="es-ES" smtClean="0"/>
               <a:pPr/>
-              <a:t>12/09/2019</a:t>
+              <a:t>15/09/2019</a:t>
             </a:fld>
             <a:endParaRPr lang="es-ES"/>
           </a:p>
@@ -1373,7 +1374,7 @@
             <a:fld id="{ECE2885B-9CEE-4B06-9B5A-AB75F988921C}" type="datetimeFigureOut">
               <a:rPr lang="es-ES" smtClean="0"/>
               <a:pPr/>
-              <a:t>12/09/2019</a:t>
+              <a:t>15/09/2019</a:t>
             </a:fld>
             <a:endParaRPr lang="es-ES"/>
           </a:p>
@@ -1792,7 +1793,7 @@
             <a:fld id="{ECE2885B-9CEE-4B06-9B5A-AB75F988921C}" type="datetimeFigureOut">
               <a:rPr lang="es-ES" smtClean="0"/>
               <a:pPr/>
-              <a:t>12/09/2019</a:t>
+              <a:t>15/09/2019</a:t>
             </a:fld>
             <a:endParaRPr lang="es-ES"/>
           </a:p>
@@ -1907,7 +1908,7 @@
             <a:fld id="{ECE2885B-9CEE-4B06-9B5A-AB75F988921C}" type="datetimeFigureOut">
               <a:rPr lang="es-ES" smtClean="0"/>
               <a:pPr/>
-              <a:t>12/09/2019</a:t>
+              <a:t>15/09/2019</a:t>
             </a:fld>
             <a:endParaRPr lang="es-ES"/>
           </a:p>
@@ -1999,7 +2000,7 @@
             <a:fld id="{ECE2885B-9CEE-4B06-9B5A-AB75F988921C}" type="datetimeFigureOut">
               <a:rPr lang="es-ES" smtClean="0"/>
               <a:pPr/>
-              <a:t>12/09/2019</a:t>
+              <a:t>15/09/2019</a:t>
             </a:fld>
             <a:endParaRPr lang="es-ES"/>
           </a:p>
@@ -2273,7 +2274,7 @@
             <a:fld id="{ECE2885B-9CEE-4B06-9B5A-AB75F988921C}" type="datetimeFigureOut">
               <a:rPr lang="es-ES" smtClean="0"/>
               <a:pPr/>
-              <a:t>12/09/2019</a:t>
+              <a:t>15/09/2019</a:t>
             </a:fld>
             <a:endParaRPr lang="es-ES"/>
           </a:p>
@@ -2527,7 +2528,7 @@
             <a:fld id="{ECE2885B-9CEE-4B06-9B5A-AB75F988921C}" type="datetimeFigureOut">
               <a:rPr lang="es-ES" smtClean="0"/>
               <a:pPr/>
-              <a:t>12/09/2019</a:t>
+              <a:t>15/09/2019</a:t>
             </a:fld>
             <a:endParaRPr lang="es-ES"/>
           </a:p>
@@ -2759,7 +2760,7 @@
             <a:fld id="{ECE2885B-9CEE-4B06-9B5A-AB75F988921C}" type="datetimeFigureOut">
               <a:rPr lang="es-ES" smtClean="0"/>
               <a:pPr/>
-              <a:t>12/09/2019</a:t>
+              <a:t>15/09/2019</a:t>
             </a:fld>
             <a:endParaRPr lang="es-ES"/>
           </a:p>
@@ -3874,12 +3875,132 @@
               <a:t>Repetição for #14</a:t>
             </a:r>
           </a:p>
+          <a:p>
+            <a:r>
+              <a:rPr lang="pt-BR" dirty="0" err="1"/>
+              <a:t>Exercicio</a:t>
+            </a:r>
+            <a:r>
+              <a:rPr lang="pt-BR" dirty="0"/>
+              <a:t> 04 Contador/tabuada</a:t>
+            </a:r>
+          </a:p>
+          <a:p>
+            <a:r>
+              <a:rPr lang="pt-BR" dirty="0"/>
+              <a:t>Resolução exercício Contador</a:t>
+            </a:r>
+          </a:p>
+          <a:p>
+            <a:r>
+              <a:rPr lang="pt-BR" dirty="0"/>
+              <a:t>Resolução exercício tabuada</a:t>
+            </a:r>
+          </a:p>
+          <a:p>
+            <a:endParaRPr lang="pt-BR" dirty="0"/>
+          </a:p>
         </p:txBody>
       </p:sp>
     </p:spTree>
     <p:extLst>
       <p:ext uri="{BB962C8B-B14F-4D97-AF65-F5344CB8AC3E}">
         <p14:creationId xmlns:p14="http://schemas.microsoft.com/office/powerpoint/2010/main" val="1244778965"/>
+      </p:ext>
+    </p:extLst>
+  </p:cSld>
+  <p:clrMapOvr>
+    <a:masterClrMapping/>
+  </p:clrMapOvr>
+</p:sld>
+</file>
+
+<file path=ppt/slides/slide7.xml><?xml version="1.0" encoding="utf-8"?>
+<p:sld xmlns:a="http://schemas.openxmlformats.org/drawingml/2006/main" xmlns:r="http://schemas.openxmlformats.org/officeDocument/2006/relationships" xmlns:p="http://schemas.openxmlformats.org/presentationml/2006/main">
+  <p:cSld>
+    <p:spTree>
+      <p:nvGrpSpPr>
+        <p:cNvPr id="1" name=""/>
+        <p:cNvGrpSpPr/>
+        <p:nvPr/>
+      </p:nvGrpSpPr>
+      <p:grpSpPr>
+        <a:xfrm>
+          <a:off x="0" y="0"/>
+          <a:ext cx="0" cy="0"/>
+          <a:chOff x="0" y="0"/>
+          <a:chExt cx="0" cy="0"/>
+        </a:xfrm>
+      </p:grpSpPr>
+      <p:sp>
+        <p:nvSpPr>
+          <p:cNvPr id="2" name="Título 1">
+            <a:extLst>
+              <a:ext uri="{FF2B5EF4-FFF2-40B4-BE49-F238E27FC236}">
+                <a16:creationId xmlns:a16="http://schemas.microsoft.com/office/drawing/2014/main" id="{5D8D69F5-1FFB-49AD-AEAF-25D725522422}"/>
+              </a:ext>
+            </a:extLst>
+          </p:cNvPr>
+          <p:cNvSpPr>
+            <a:spLocks noGrp="1"/>
+          </p:cNvSpPr>
+          <p:nvPr>
+            <p:ph type="title"/>
+          </p:nvPr>
+        </p:nvSpPr>
+        <p:spPr/>
+        <p:txBody>
+          <a:bodyPr/>
+          <a:lstStyle/>
+          <a:p>
+            <a:pPr algn="r"/>
+            <a:r>
+              <a:rPr lang="pt-BR" dirty="0">
+                <a:solidFill>
+                  <a:schemeClr val="bg1"/>
+                </a:solidFill>
+              </a:rPr>
+              <a:t>Módulo =&gt; F</a:t>
+            </a:r>
+          </a:p>
+        </p:txBody>
+      </p:sp>
+      <p:sp>
+        <p:nvSpPr>
+          <p:cNvPr id="3" name="Espaço Reservado para Conteúdo 2">
+            <a:extLst>
+              <a:ext uri="{FF2B5EF4-FFF2-40B4-BE49-F238E27FC236}">
+                <a16:creationId xmlns:a16="http://schemas.microsoft.com/office/drawing/2014/main" id="{28166BDF-C97D-4E98-91CA-7E661FF4481C}"/>
+              </a:ext>
+            </a:extLst>
+          </p:cNvPr>
+          <p:cNvSpPr>
+            <a:spLocks noGrp="1"/>
+          </p:cNvSpPr>
+          <p:nvPr>
+            <p:ph idx="1"/>
+          </p:nvPr>
+        </p:nvSpPr>
+        <p:spPr/>
+        <p:txBody>
+          <a:bodyPr/>
+          <a:lstStyle/>
+          <a:p>
+            <a:r>
+              <a:rPr lang="pt-BR" dirty="0" err="1"/>
+              <a:t>Variaveis</a:t>
+            </a:r>
+            <a:r>
+              <a:rPr lang="pt-BR" dirty="0"/>
+              <a:t> Compostas #15</a:t>
+            </a:r>
+          </a:p>
+        </p:txBody>
+      </p:sp>
+    </p:spTree>
+    <p:extLst>
+      <p:ext uri="{BB962C8B-B14F-4D97-AF65-F5344CB8AC3E}">
+        <p14:creationId xmlns:p14="http://schemas.microsoft.com/office/powerpoint/2010/main" val="4216570655"/>
       </p:ext>
     </p:extLst>
   </p:cSld>

--- a/Documentacao/Documentacao-curso-Javascript.pptx
+++ b/Documentacao/Documentacao-curso-Javascript.pptx
@@ -335,7 +335,7 @@
             <a:fld id="{ECE2885B-9CEE-4B06-9B5A-AB75F988921C}" type="datetimeFigureOut">
               <a:rPr lang="es-ES" smtClean="0"/>
               <a:pPr/>
-              <a:t>15/09/2019</a:t>
+              <a:t>16/09/2019</a:t>
             </a:fld>
             <a:endParaRPr lang="es-ES"/>
           </a:p>
@@ -502,7 +502,7 @@
             <a:fld id="{ECE2885B-9CEE-4B06-9B5A-AB75F988921C}" type="datetimeFigureOut">
               <a:rPr lang="es-ES" smtClean="0"/>
               <a:pPr/>
-              <a:t>15/09/2019</a:t>
+              <a:t>16/09/2019</a:t>
             </a:fld>
             <a:endParaRPr lang="es-ES"/>
           </a:p>
@@ -679,7 +679,7 @@
             <a:fld id="{ECE2885B-9CEE-4B06-9B5A-AB75F988921C}" type="datetimeFigureOut">
               <a:rPr lang="es-ES" smtClean="0"/>
               <a:pPr/>
-              <a:t>15/09/2019</a:t>
+              <a:t>16/09/2019</a:t>
             </a:fld>
             <a:endParaRPr lang="es-ES"/>
           </a:p>
@@ -846,7 +846,7 @@
             <a:fld id="{ECE2885B-9CEE-4B06-9B5A-AB75F988921C}" type="datetimeFigureOut">
               <a:rPr lang="es-ES" smtClean="0"/>
               <a:pPr/>
-              <a:t>15/09/2019</a:t>
+              <a:t>16/09/2019</a:t>
             </a:fld>
             <a:endParaRPr lang="es-ES"/>
           </a:p>
@@ -1089,7 +1089,7 @@
             <a:fld id="{ECE2885B-9CEE-4B06-9B5A-AB75F988921C}" type="datetimeFigureOut">
               <a:rPr lang="es-ES" smtClean="0"/>
               <a:pPr/>
-              <a:t>15/09/2019</a:t>
+              <a:t>16/09/2019</a:t>
             </a:fld>
             <a:endParaRPr lang="es-ES"/>
           </a:p>
@@ -1374,7 +1374,7 @@
             <a:fld id="{ECE2885B-9CEE-4B06-9B5A-AB75F988921C}" type="datetimeFigureOut">
               <a:rPr lang="es-ES" smtClean="0"/>
               <a:pPr/>
-              <a:t>15/09/2019</a:t>
+              <a:t>16/09/2019</a:t>
             </a:fld>
             <a:endParaRPr lang="es-ES"/>
           </a:p>
@@ -1793,7 +1793,7 @@
             <a:fld id="{ECE2885B-9CEE-4B06-9B5A-AB75F988921C}" type="datetimeFigureOut">
               <a:rPr lang="es-ES" smtClean="0"/>
               <a:pPr/>
-              <a:t>15/09/2019</a:t>
+              <a:t>16/09/2019</a:t>
             </a:fld>
             <a:endParaRPr lang="es-ES"/>
           </a:p>
@@ -1908,7 +1908,7 @@
             <a:fld id="{ECE2885B-9CEE-4B06-9B5A-AB75F988921C}" type="datetimeFigureOut">
               <a:rPr lang="es-ES" smtClean="0"/>
               <a:pPr/>
-              <a:t>15/09/2019</a:t>
+              <a:t>16/09/2019</a:t>
             </a:fld>
             <a:endParaRPr lang="es-ES"/>
           </a:p>
@@ -2000,7 +2000,7 @@
             <a:fld id="{ECE2885B-9CEE-4B06-9B5A-AB75F988921C}" type="datetimeFigureOut">
               <a:rPr lang="es-ES" smtClean="0"/>
               <a:pPr/>
-              <a:t>15/09/2019</a:t>
+              <a:t>16/09/2019</a:t>
             </a:fld>
             <a:endParaRPr lang="es-ES"/>
           </a:p>
@@ -2274,7 +2274,7 @@
             <a:fld id="{ECE2885B-9CEE-4B06-9B5A-AB75F988921C}" type="datetimeFigureOut">
               <a:rPr lang="es-ES" smtClean="0"/>
               <a:pPr/>
-              <a:t>15/09/2019</a:t>
+              <a:t>16/09/2019</a:t>
             </a:fld>
             <a:endParaRPr lang="es-ES"/>
           </a:p>
@@ -2528,7 +2528,7 @@
             <a:fld id="{ECE2885B-9CEE-4B06-9B5A-AB75F988921C}" type="datetimeFigureOut">
               <a:rPr lang="es-ES" smtClean="0"/>
               <a:pPr/>
-              <a:t>15/09/2019</a:t>
+              <a:t>16/09/2019</a:t>
             </a:fld>
             <a:endParaRPr lang="es-ES"/>
           </a:p>
@@ -2760,7 +2760,7 @@
             <a:fld id="{ECE2885B-9CEE-4B06-9B5A-AB75F988921C}" type="datetimeFigureOut">
               <a:rPr lang="es-ES" smtClean="0"/>
               <a:pPr/>
-              <a:t>15/09/2019</a:t>
+              <a:t>16/09/2019</a:t>
             </a:fld>
             <a:endParaRPr lang="es-ES"/>
           </a:p>
@@ -3995,6 +3995,41 @@
               <a:t> Compostas #15</a:t>
             </a:r>
           </a:p>
+          <a:p>
+            <a:r>
+              <a:rPr lang="pt-BR" dirty="0"/>
+              <a:t>Funções #16</a:t>
+            </a:r>
+          </a:p>
+          <a:p>
+            <a:r>
+              <a:rPr lang="pt-BR" dirty="0" err="1"/>
+              <a:t>Exercicio</a:t>
+            </a:r>
+            <a:r>
+              <a:rPr lang="pt-BR" dirty="0"/>
+              <a:t> (parte 07)</a:t>
+            </a:r>
+          </a:p>
+          <a:p>
+            <a:r>
+              <a:rPr lang="pt-BR" dirty="0" err="1"/>
+              <a:t>Exercicio</a:t>
+            </a:r>
+            <a:r>
+              <a:rPr lang="pt-BR" dirty="0"/>
+              <a:t> (parte 08)</a:t>
+            </a:r>
+          </a:p>
+          <a:p>
+            <a:r>
+              <a:rPr lang="pt-BR" dirty="0"/>
+              <a:t>Curso Finalizado. 16/09/2019</a:t>
+            </a:r>
+          </a:p>
+          <a:p>
+            <a:endParaRPr lang="pt-BR" dirty="0"/>
+          </a:p>
         </p:txBody>
       </p:sp>
     </p:spTree>
